--- a/presentation.pptx
+++ b/presentation.pptx
@@ -218,7 +218,7 @@
           <a:p>
             <a:fld id="{9D6BAA83-5BB8-43F4-8A2F-B417583F5125}" type="datetimeFigureOut">
               <a:rPr lang="en-IN" smtClean="0"/>
-              <a:t>10-05-2025</a:t>
+              <a:t>11-05-2025</a:t>
             </a:fld>
             <a:endParaRPr lang="en-IN"/>
           </a:p>
@@ -1259,7 +1259,7 @@
           <a:p>
             <a:fld id="{1C841B47-4F8F-4BB9-A296-E3BAFD636884}" type="datetimeFigureOut">
               <a:rPr lang="en-IN" smtClean="0"/>
-              <a:t>10-05-2025</a:t>
+              <a:t>11-05-2025</a:t>
             </a:fld>
             <a:endParaRPr lang="en-IN"/>
           </a:p>
@@ -1459,7 +1459,7 @@
           <a:p>
             <a:fld id="{1C841B47-4F8F-4BB9-A296-E3BAFD636884}" type="datetimeFigureOut">
               <a:rPr lang="en-IN" smtClean="0"/>
-              <a:t>10-05-2025</a:t>
+              <a:t>11-05-2025</a:t>
             </a:fld>
             <a:endParaRPr lang="en-IN"/>
           </a:p>
@@ -1669,7 +1669,7 @@
           <a:p>
             <a:fld id="{1C841B47-4F8F-4BB9-A296-E3BAFD636884}" type="datetimeFigureOut">
               <a:rPr lang="en-IN" smtClean="0"/>
-              <a:t>10-05-2025</a:t>
+              <a:t>11-05-2025</a:t>
             </a:fld>
             <a:endParaRPr lang="en-IN"/>
           </a:p>
@@ -1869,7 +1869,7 @@
           <a:p>
             <a:fld id="{1C841B47-4F8F-4BB9-A296-E3BAFD636884}" type="datetimeFigureOut">
               <a:rPr lang="en-IN" smtClean="0"/>
-              <a:t>10-05-2025</a:t>
+              <a:t>11-05-2025</a:t>
             </a:fld>
             <a:endParaRPr lang="en-IN"/>
           </a:p>
@@ -2145,7 +2145,7 @@
           <a:p>
             <a:fld id="{1C841B47-4F8F-4BB9-A296-E3BAFD636884}" type="datetimeFigureOut">
               <a:rPr lang="en-IN" smtClean="0"/>
-              <a:t>10-05-2025</a:t>
+              <a:t>11-05-2025</a:t>
             </a:fld>
             <a:endParaRPr lang="en-IN"/>
           </a:p>
@@ -2413,7 +2413,7 @@
           <a:p>
             <a:fld id="{1C841B47-4F8F-4BB9-A296-E3BAFD636884}" type="datetimeFigureOut">
               <a:rPr lang="en-IN" smtClean="0"/>
-              <a:t>10-05-2025</a:t>
+              <a:t>11-05-2025</a:t>
             </a:fld>
             <a:endParaRPr lang="en-IN"/>
           </a:p>
@@ -2828,7 +2828,7 @@
           <a:p>
             <a:fld id="{1C841B47-4F8F-4BB9-A296-E3BAFD636884}" type="datetimeFigureOut">
               <a:rPr lang="en-IN" smtClean="0"/>
-              <a:t>10-05-2025</a:t>
+              <a:t>11-05-2025</a:t>
             </a:fld>
             <a:endParaRPr lang="en-IN"/>
           </a:p>
@@ -2970,7 +2970,7 @@
           <a:p>
             <a:fld id="{1C841B47-4F8F-4BB9-A296-E3BAFD636884}" type="datetimeFigureOut">
               <a:rPr lang="en-IN" smtClean="0"/>
-              <a:t>10-05-2025</a:t>
+              <a:t>11-05-2025</a:t>
             </a:fld>
             <a:endParaRPr lang="en-IN"/>
           </a:p>
@@ -3083,7 +3083,7 @@
           <a:p>
             <a:fld id="{1C841B47-4F8F-4BB9-A296-E3BAFD636884}" type="datetimeFigureOut">
               <a:rPr lang="en-IN" smtClean="0"/>
-              <a:t>10-05-2025</a:t>
+              <a:t>11-05-2025</a:t>
             </a:fld>
             <a:endParaRPr lang="en-IN"/>
           </a:p>
@@ -3396,7 +3396,7 @@
           <a:p>
             <a:fld id="{1C841B47-4F8F-4BB9-A296-E3BAFD636884}" type="datetimeFigureOut">
               <a:rPr lang="en-IN" smtClean="0"/>
-              <a:t>10-05-2025</a:t>
+              <a:t>11-05-2025</a:t>
             </a:fld>
             <a:endParaRPr lang="en-IN"/>
           </a:p>
@@ -3685,7 +3685,7 @@
           <a:p>
             <a:fld id="{1C841B47-4F8F-4BB9-A296-E3BAFD636884}" type="datetimeFigureOut">
               <a:rPr lang="en-IN" smtClean="0"/>
-              <a:t>10-05-2025</a:t>
+              <a:t>11-05-2025</a:t>
             </a:fld>
             <a:endParaRPr lang="en-IN"/>
           </a:p>
@@ -3928,7 +3928,7 @@
           <a:p>
             <a:fld id="{1C841B47-4F8F-4BB9-A296-E3BAFD636884}" type="datetimeFigureOut">
               <a:rPr lang="en-IN" smtClean="0"/>
-              <a:t>10-05-2025</a:t>
+              <a:t>11-05-2025</a:t>
             </a:fld>
             <a:endParaRPr lang="en-IN"/>
           </a:p>
@@ -7899,37 +7899,12 @@
           <a:chExt cx="0" cy="0"/>
         </a:xfrm>
       </p:grpSpPr>
-      <p:sp>
-        <p:nvSpPr>
-          <p:cNvPr id="4" name="Title 3">
-            <a:extLst>
-              <a:ext uri="{FF2B5EF4-FFF2-40B4-BE49-F238E27FC236}">
-                <a16:creationId xmlns:a16="http://schemas.microsoft.com/office/drawing/2014/main" id="{F9037EF0-58BC-6236-A68D-98CB8C6E2A3B}"/>
-              </a:ext>
-            </a:extLst>
-          </p:cNvPr>
-          <p:cNvSpPr>
-            <a:spLocks noGrp="1"/>
-          </p:cNvSpPr>
-          <p:nvPr>
-            <p:ph type="ctrTitle"/>
-          </p:nvPr>
-        </p:nvSpPr>
-        <p:spPr/>
-        <p:txBody>
-          <a:bodyPr/>
-          <a:lstStyle/>
-          <a:p>
-            <a:endParaRPr lang="en-IN"/>
-          </a:p>
-        </p:txBody>
-      </p:sp>
       <p:pic>
         <p:nvPicPr>
-          <p:cNvPr id="6" name="Picture 5">
-            <a:extLst>
-              <a:ext uri="{FF2B5EF4-FFF2-40B4-BE49-F238E27FC236}">
-                <a16:creationId xmlns:a16="http://schemas.microsoft.com/office/drawing/2014/main" id="{0D19F15D-52E4-A885-79BF-2102F045352F}"/>
+          <p:cNvPr id="3" name="Picture 2">
+            <a:extLst>
+              <a:ext uri="{FF2B5EF4-FFF2-40B4-BE49-F238E27FC236}">
+                <a16:creationId xmlns:a16="http://schemas.microsoft.com/office/drawing/2014/main" id="{7311C13E-131B-4104-58D3-436278434221}"/>
               </a:ext>
             </a:extLst>
           </p:cNvPr>
@@ -7946,8 +7921,8 @@
         </p:blipFill>
         <p:spPr>
           <a:xfrm>
-            <a:off x="-1" y="14962"/>
-            <a:ext cx="12218717" cy="6843038"/>
+            <a:off x="0" y="10038"/>
+            <a:ext cx="12209900" cy="6847962"/>
           </a:xfrm>
           <a:prstGeom prst="rect">
             <a:avLst/>
